--- a/Présentation.pptx
+++ b/Présentation.pptx
@@ -128,7 +128,7 @@
 <file path=ppt/revisionInfo.xml><?xml version="1.0" encoding="utf-8"?>
 <p1510:revInfo xmlns:a="http://schemas.openxmlformats.org/drawingml/2006/main" xmlns:r="http://schemas.openxmlformats.org/officeDocument/2006/relationships" xmlns:p1510="http://schemas.microsoft.com/office/powerpoint/2015/10/main">
   <p1510:revLst>
-    <p1510:client id="{D4B05150-7728-4E67-B8D6-697CD1B8DB1C}" v="3317" dt="2023-12-01T13:10:59.309"/>
+    <p1510:client id="{D4B05150-7728-4E67-B8D6-697CD1B8DB1C}" v="3328" dt="2023-12-01T14:08:13.744"/>
   </p1510:revLst>
 </p1510:revInfo>
 </file>
@@ -10700,14 +10700,11 @@
               <a:buNone/>
             </a:pPr>
             <a:r>
-              <a:rPr lang="en-GB" sz="1050">
+              <a:rPr lang="en-GB" sz="1050" b="1" dirty="0">
                 <a:cs typeface="Arial"/>
               </a:rPr>
               <a:t>Decision: </a:t>
             </a:r>
-            <a:endParaRPr lang="en-GB" sz="1050" dirty="0">
-              <a:cs typeface="Arial"/>
-            </a:endParaRPr>
           </a:p>
           <a:p>
             <a:pPr marL="0" indent="0">
@@ -10721,7 +10718,7 @@
               <a:t>Nous </a:t>
             </a:r>
             <a:r>
-              <a:rPr lang="en-GB" sz="1050" err="1">
+              <a:rPr lang="en-GB" sz="1050" dirty="0" err="1">
                 <a:ea typeface="+mj-lt"/>
                 <a:cs typeface="+mj-lt"/>
               </a:rPr>
@@ -10735,7 +10732,7 @@
               <a:t> </a:t>
             </a:r>
             <a:r>
-              <a:rPr lang="en-GB" sz="1050" err="1">
+              <a:rPr lang="en-GB" sz="1050" dirty="0" err="1">
                 <a:ea typeface="+mj-lt"/>
                 <a:cs typeface="+mj-lt"/>
               </a:rPr>
@@ -10749,7 +10746,7 @@
               <a:t> </a:t>
             </a:r>
             <a:r>
-              <a:rPr lang="en-GB" sz="1050" err="1">
+              <a:rPr lang="en-GB" sz="1050" dirty="0" err="1">
                 <a:ea typeface="+mj-lt"/>
                 <a:cs typeface="+mj-lt"/>
               </a:rPr>
@@ -10763,7 +10760,7 @@
               <a:t> React.js </a:t>
             </a:r>
             <a:r>
-              <a:rPr lang="en-GB" sz="1050" err="1">
+              <a:rPr lang="en-GB" sz="1050" dirty="0" err="1">
                 <a:ea typeface="+mj-lt"/>
                 <a:cs typeface="+mj-lt"/>
               </a:rPr>
@@ -10777,7 +10774,7 @@
               <a:t> </a:t>
             </a:r>
             <a:r>
-              <a:rPr lang="en-GB" sz="1050" err="1">
+              <a:rPr lang="en-GB" sz="1050" dirty="0" err="1">
                 <a:ea typeface="+mj-lt"/>
                 <a:cs typeface="+mj-lt"/>
               </a:rPr>
@@ -10791,7 +10788,7 @@
               <a:t> </a:t>
             </a:r>
             <a:r>
-              <a:rPr lang="en-GB" sz="1050" err="1">
+              <a:rPr lang="en-GB" sz="1050" dirty="0" err="1">
                 <a:ea typeface="+mj-lt"/>
                 <a:cs typeface="+mj-lt"/>
               </a:rPr>
@@ -10805,7 +10802,7 @@
               <a:t> pour le </a:t>
             </a:r>
             <a:r>
-              <a:rPr lang="en-GB" sz="1050" err="1">
+              <a:rPr lang="en-GB" sz="1050" dirty="0" err="1">
                 <a:ea typeface="+mj-lt"/>
                 <a:cs typeface="+mj-lt"/>
               </a:rPr>
@@ -10819,23 +10816,19 @@
               <a:t> du front-end de </a:t>
             </a:r>
             <a:r>
-              <a:rPr lang="en-GB" sz="1050" err="1">
+              <a:rPr lang="en-GB" sz="1050" dirty="0" err="1">
                 <a:ea typeface="+mj-lt"/>
                 <a:cs typeface="+mj-lt"/>
               </a:rPr>
               <a:t>notre</a:t>
             </a:r>
             <a:r>
-              <a:rPr lang="en-GB" sz="1050">
+              <a:rPr lang="en-GB" sz="1050" dirty="0">
                 <a:ea typeface="+mj-lt"/>
                 <a:cs typeface="+mj-lt"/>
               </a:rPr>
               <a:t> jeu</a:t>
             </a:r>
-            <a:endParaRPr lang="en-GB" sz="1050" dirty="0">
-              <a:ea typeface="+mj-lt"/>
-              <a:cs typeface="+mj-lt"/>
-            </a:endParaRPr>
           </a:p>
           <a:p>
             <a:pPr marL="0" indent="0">
@@ -10860,7 +10853,7 @@
               <a:buChar char="o"/>
             </a:pPr>
             <a:r>
-              <a:rPr lang="en-GB" sz="900" b="1" err="1">
+              <a:rPr lang="en-GB" sz="900" b="1" dirty="0" err="1">
                 <a:ea typeface="+mj-lt"/>
                 <a:cs typeface="+mj-lt"/>
               </a:rPr>
@@ -10874,56 +10867,56 @@
               <a:t> </a:t>
             </a:r>
             <a:r>
-              <a:rPr lang="en-GB" sz="900" b="1" err="1">
+              <a:rPr lang="en-GB" sz="900" b="1" dirty="0" err="1">
                 <a:ea typeface="+mj-lt"/>
                 <a:cs typeface="+mj-lt"/>
               </a:rPr>
               <a:t>Réutilisables</a:t>
             </a:r>
             <a:r>
-              <a:rPr lang="en-GB" sz="900" b="1">
+              <a:rPr lang="en-GB" sz="900" b="1" dirty="0">
                 <a:ea typeface="+mj-lt"/>
                 <a:cs typeface="+mj-lt"/>
               </a:rPr>
               <a:t> :</a:t>
             </a:r>
             <a:r>
-              <a:rPr lang="en-GB" sz="900">
+              <a:rPr lang="en-GB" sz="900" dirty="0">
                 <a:ea typeface="+mj-lt"/>
                 <a:cs typeface="+mj-lt"/>
               </a:rPr>
               <a:t> React </a:t>
             </a:r>
             <a:r>
-              <a:rPr lang="en-GB" sz="900" err="1">
+              <a:rPr lang="en-GB" sz="900" dirty="0" err="1">
                 <a:ea typeface="+mj-lt"/>
                 <a:cs typeface="+mj-lt"/>
               </a:rPr>
               <a:t>permet</a:t>
             </a:r>
             <a:r>
-              <a:rPr lang="en-GB" sz="900">
+              <a:rPr lang="en-GB" sz="900" dirty="0">
                 <a:ea typeface="+mj-lt"/>
                 <a:cs typeface="+mj-lt"/>
               </a:rPr>
               <a:t> la </a:t>
             </a:r>
             <a:r>
-              <a:rPr lang="en-GB" sz="900" err="1">
+              <a:rPr lang="en-GB" sz="900" dirty="0" err="1">
                 <a:ea typeface="+mj-lt"/>
                 <a:cs typeface="+mj-lt"/>
               </a:rPr>
               <a:t>création</a:t>
             </a:r>
             <a:r>
-              <a:rPr lang="en-GB" sz="900">
+              <a:rPr lang="en-GB" sz="900" dirty="0">
                 <a:ea typeface="+mj-lt"/>
                 <a:cs typeface="+mj-lt"/>
               </a:rPr>
               <a:t> de </a:t>
             </a:r>
             <a:r>
-              <a:rPr lang="en-GB" sz="900" err="1">
+              <a:rPr lang="en-GB" sz="900" dirty="0" err="1">
                 <a:ea typeface="+mj-lt"/>
                 <a:cs typeface="+mj-lt"/>
               </a:rPr>
@@ -10937,49 +10930,49 @@
               <a:t> </a:t>
             </a:r>
             <a:r>
-              <a:rPr lang="en-GB" sz="900" err="1">
+              <a:rPr lang="en-GB" sz="900" dirty="0" err="1">
                 <a:ea typeface="+mj-lt"/>
                 <a:cs typeface="+mj-lt"/>
               </a:rPr>
               <a:t>réutilisables</a:t>
             </a:r>
             <a:r>
-              <a:rPr lang="en-GB" sz="900">
+              <a:rPr lang="en-GB" sz="900" dirty="0">
                 <a:ea typeface="+mj-lt"/>
                 <a:cs typeface="+mj-lt"/>
               </a:rPr>
               <a:t>, </a:t>
             </a:r>
             <a:r>
-              <a:rPr lang="en-GB" sz="900" err="1">
+              <a:rPr lang="en-GB" sz="900" dirty="0" err="1">
                 <a:ea typeface="+mj-lt"/>
                 <a:cs typeface="+mj-lt"/>
               </a:rPr>
               <a:t>ce</a:t>
             </a:r>
             <a:r>
-              <a:rPr lang="en-GB" sz="900">
+              <a:rPr lang="en-GB" sz="900" dirty="0">
                 <a:ea typeface="+mj-lt"/>
                 <a:cs typeface="+mj-lt"/>
               </a:rPr>
               <a:t> qui </a:t>
             </a:r>
             <a:r>
-              <a:rPr lang="en-GB" sz="900" err="1">
+              <a:rPr lang="en-GB" sz="900" dirty="0" err="1">
                 <a:ea typeface="+mj-lt"/>
                 <a:cs typeface="+mj-lt"/>
               </a:rPr>
               <a:t>simplifie</a:t>
             </a:r>
             <a:r>
-              <a:rPr lang="en-GB" sz="900">
+              <a:rPr lang="en-GB" sz="900" dirty="0">
                 <a:ea typeface="+mj-lt"/>
                 <a:cs typeface="+mj-lt"/>
               </a:rPr>
               <a:t> la gestion des </a:t>
             </a:r>
             <a:r>
-              <a:rPr lang="en-GB" sz="900" err="1">
+              <a:rPr lang="en-GB" sz="900" dirty="0" err="1">
                 <a:ea typeface="+mj-lt"/>
                 <a:cs typeface="+mj-lt"/>
               </a:rPr>
@@ -10990,45 +10983,38 @@
                 <a:ea typeface="+mj-lt"/>
                 <a:cs typeface="+mj-lt"/>
               </a:rPr>
+              <a:t> parties de </a:t>
+            </a:r>
+            <a:r>
+              <a:rPr lang="en-GB" sz="900" dirty="0" err="1">
+                <a:ea typeface="+mj-lt"/>
+                <a:cs typeface="+mj-lt"/>
+              </a:rPr>
+              <a:t>l'interface</a:t>
+            </a:r>
+            <a:r>
+              <a:rPr lang="en-GB" sz="900" dirty="0">
+                <a:ea typeface="+mj-lt"/>
+                <a:cs typeface="+mj-lt"/>
+              </a:rPr>
               <a:t> </a:t>
             </a:r>
             <a:r>
-              <a:rPr lang="en-GB" sz="900">
-                <a:ea typeface="+mj-lt"/>
-                <a:cs typeface="+mj-lt"/>
-              </a:rPr>
-              <a:t>parties de </a:t>
-            </a:r>
-            <a:r>
-              <a:rPr lang="en-GB" sz="900" err="1">
-                <a:ea typeface="+mj-lt"/>
-                <a:cs typeface="+mj-lt"/>
-              </a:rPr>
-              <a:t>l'interface</a:t>
+              <a:rPr lang="en-GB" sz="900" dirty="0" err="1">
+                <a:ea typeface="+mj-lt"/>
+                <a:cs typeface="+mj-lt"/>
+              </a:rPr>
+              <a:t>utilisateur</a:t>
             </a:r>
             <a:r>
               <a:rPr lang="en-GB" sz="900" dirty="0">
                 <a:ea typeface="+mj-lt"/>
                 <a:cs typeface="+mj-lt"/>
               </a:rPr>
-              <a:t> </a:t>
-            </a:r>
-            <a:r>
-              <a:rPr lang="en-GB" sz="900" err="1">
-                <a:ea typeface="+mj-lt"/>
-                <a:cs typeface="+mj-lt"/>
-              </a:rPr>
-              <a:t>utilisateur</a:t>
-            </a:r>
-            <a:r>
-              <a:rPr lang="en-GB" sz="900">
-                <a:ea typeface="+mj-lt"/>
-                <a:cs typeface="+mj-lt"/>
-              </a:rPr>
               <a:t>, </a:t>
             </a:r>
             <a:r>
-              <a:rPr lang="en-GB" sz="900" err="1">
+              <a:rPr lang="en-GB" sz="900" dirty="0" err="1">
                 <a:ea typeface="+mj-lt"/>
                 <a:cs typeface="+mj-lt"/>
               </a:rPr>
@@ -11039,44 +11025,37 @@
                 <a:ea typeface="+mj-lt"/>
                 <a:cs typeface="+mj-lt"/>
               </a:rPr>
-              <a:t> </a:t>
-            </a:r>
-            <a:r>
-              <a:rPr lang="en-GB" sz="900">
-                <a:ea typeface="+mj-lt"/>
-                <a:cs typeface="+mj-lt"/>
-              </a:rPr>
-              <a:t>les </a:t>
-            </a:r>
-            <a:r>
-              <a:rPr lang="en-GB" sz="900" err="1">
+              <a:t> les </a:t>
+            </a:r>
+            <a:r>
+              <a:rPr lang="en-GB" sz="900" dirty="0" err="1">
                 <a:ea typeface="+mj-lt"/>
                 <a:cs typeface="+mj-lt"/>
               </a:rPr>
               <a:t>cartes</a:t>
             </a:r>
             <a:r>
-              <a:rPr lang="en-GB" sz="900">
+              <a:rPr lang="en-GB" sz="900" dirty="0">
                 <a:ea typeface="+mj-lt"/>
                 <a:cs typeface="+mj-lt"/>
               </a:rPr>
               <a:t>, le plateau de jeu, les interactions </a:t>
             </a:r>
             <a:r>
-              <a:rPr lang="en-GB" sz="900" err="1">
+              <a:rPr lang="en-GB" sz="900" dirty="0" err="1">
                 <a:ea typeface="+mj-lt"/>
                 <a:cs typeface="+mj-lt"/>
               </a:rPr>
               <a:t>joueur</a:t>
             </a:r>
             <a:r>
-              <a:rPr lang="en-GB" sz="900">
+              <a:rPr lang="en-GB" sz="900" dirty="0">
                 <a:ea typeface="+mj-lt"/>
                 <a:cs typeface="+mj-lt"/>
               </a:rPr>
               <a:t>, etc.</a:t>
             </a:r>
-            <a:endParaRPr lang="en-GB" sz="900"/>
+            <a:endParaRPr lang="en-GB" sz="900" dirty="0"/>
           </a:p>
           <a:p>
             <a:pPr lvl="1">
@@ -11511,7 +11490,7 @@
               <a:buChar char="o"/>
             </a:pPr>
             <a:r>
-              <a:rPr lang="en-GB" sz="900" b="1" err="1">
+              <a:rPr lang="en-GB" sz="900" b="1" dirty="0" err="1">
                 <a:ea typeface="+mj-lt"/>
                 <a:cs typeface="+mj-lt"/>
               </a:rPr>
@@ -11525,7 +11504,7 @@
               <a:t> et </a:t>
             </a:r>
             <a:r>
-              <a:rPr lang="en-GB" sz="900" b="1" err="1">
+              <a:rPr lang="en-GB" sz="900" b="1" dirty="0" err="1">
                 <a:ea typeface="+mj-lt"/>
                 <a:cs typeface="+mj-lt"/>
               </a:rPr>
@@ -11546,7 +11525,7 @@
               <a:t> Grâce à son </a:t>
             </a:r>
             <a:r>
-              <a:rPr lang="en-GB" sz="900" err="1">
+              <a:rPr lang="en-GB" sz="900" dirty="0" err="1">
                 <a:ea typeface="+mj-lt"/>
                 <a:cs typeface="+mj-lt"/>
               </a:rPr>
@@ -11560,7 +11539,7 @@
               <a:t> </a:t>
             </a:r>
             <a:r>
-              <a:rPr lang="en-GB" sz="900" err="1">
+              <a:rPr lang="en-GB" sz="900" dirty="0" err="1">
                 <a:ea typeface="+mj-lt"/>
                 <a:cs typeface="+mj-lt"/>
               </a:rPr>
@@ -11574,7 +11553,7 @@
               <a:t>, React </a:t>
             </a:r>
             <a:r>
-              <a:rPr lang="en-GB" sz="900" err="1">
+              <a:rPr lang="en-GB" sz="900" dirty="0" err="1">
                 <a:ea typeface="+mj-lt"/>
                 <a:cs typeface="+mj-lt"/>
               </a:rPr>
@@ -11588,7 +11567,7 @@
               <a:t> la </a:t>
             </a:r>
             <a:r>
-              <a:rPr lang="en-GB" sz="900" err="1">
+              <a:rPr lang="en-GB" sz="900" dirty="0" err="1">
                 <a:ea typeface="+mj-lt"/>
                 <a:cs typeface="+mj-lt"/>
               </a:rPr>
@@ -11602,7 +11581,7 @@
               <a:t> </a:t>
             </a:r>
             <a:r>
-              <a:rPr lang="en-GB" sz="900" err="1">
+              <a:rPr lang="en-GB" sz="900" dirty="0" err="1">
                 <a:ea typeface="+mj-lt"/>
                 <a:cs typeface="+mj-lt"/>
               </a:rPr>
@@ -11616,7 +11595,7 @@
               <a:t> </a:t>
             </a:r>
             <a:r>
-              <a:rPr lang="en-GB" sz="900" err="1">
+              <a:rPr lang="en-GB" sz="900" dirty="0" err="1">
                 <a:ea typeface="+mj-lt"/>
                 <a:cs typeface="+mj-lt"/>
               </a:rPr>
@@ -11630,7 +11609,7 @@
               <a:t> temps </a:t>
             </a:r>
             <a:r>
-              <a:rPr lang="en-GB" sz="900" err="1">
+              <a:rPr lang="en-GB" sz="900" dirty="0" err="1">
                 <a:ea typeface="+mj-lt"/>
                 <a:cs typeface="+mj-lt"/>
               </a:rPr>
@@ -11644,7 +11623,7 @@
               <a:t> entre les </a:t>
             </a:r>
             <a:r>
-              <a:rPr lang="en-GB" sz="900" err="1">
+              <a:rPr lang="en-GB" sz="900" dirty="0" err="1">
                 <a:ea typeface="+mj-lt"/>
                 <a:cs typeface="+mj-lt"/>
               </a:rPr>
@@ -11658,7 +11637,7 @@
               <a:t> et </a:t>
             </a:r>
             <a:r>
-              <a:rPr lang="en-GB" sz="900" err="1">
+              <a:rPr lang="en-GB" sz="900" dirty="0" err="1">
                 <a:ea typeface="+mj-lt"/>
                 <a:cs typeface="+mj-lt"/>
               </a:rPr>
@@ -11672,7 +11651,7 @@
               <a:t>, </a:t>
             </a:r>
             <a:r>
-              <a:rPr lang="en-GB" sz="900" err="1">
+              <a:rPr lang="en-GB" sz="900" dirty="0" err="1">
                 <a:ea typeface="+mj-lt"/>
                 <a:cs typeface="+mj-lt"/>
               </a:rPr>
@@ -11686,7 +11665,7 @@
               <a:t> </a:t>
             </a:r>
             <a:r>
-              <a:rPr lang="en-GB" sz="900" err="1">
+              <a:rPr lang="en-GB" sz="900" dirty="0" err="1">
                 <a:ea typeface="+mj-lt"/>
                 <a:cs typeface="+mj-lt"/>
               </a:rPr>
@@ -11700,7 +11679,7 @@
               <a:t> </a:t>
             </a:r>
             <a:r>
-              <a:rPr lang="en-GB" sz="900" err="1">
+              <a:rPr lang="en-GB" sz="900" dirty="0" err="1">
                 <a:ea typeface="+mj-lt"/>
                 <a:cs typeface="+mj-lt"/>
               </a:rPr>
@@ -11714,12 +11693,16 @@
               <a:t> du </a:t>
             </a:r>
             <a:r>
-              <a:rPr lang="en-GB" sz="900">
+              <a:rPr lang="en-GB" sz="900" dirty="0" err="1">
                 <a:ea typeface="+mj-lt"/>
                 <a:cs typeface="+mj-lt"/>
               </a:rPr>
               <a:t>joueur</a:t>
             </a:r>
+            <a:endParaRPr lang="en-GB" sz="900">
+              <a:ea typeface="+mj-lt"/>
+              <a:cs typeface="+mj-lt"/>
+            </a:endParaRPr>
           </a:p>
           <a:p>
             <a:pPr lvl="1">
@@ -11742,689 +11725,430 @@
               </a:rPr>
               <a:t>Consequence: </a:t>
             </a:r>
-            <a:endParaRPr lang="en-US" sz="1050" b="1">
+            <a:endParaRPr lang="en-US" sz="1050" b="1" dirty="0">
               <a:ea typeface="+mj-lt"/>
               <a:cs typeface="+mj-lt"/>
             </a:endParaRPr>
           </a:p>
           <a:p>
-            <a:pPr>
-              <a:buFont typeface="Arial"/>
-              <a:buChar char="•"/>
+            <a:pPr lvl="1">
+              <a:buFont typeface="Courier New,monospace"/>
+              <a:buChar char="o"/>
             </a:pPr>
             <a:r>
-              <a:rPr lang="en-GB" sz="1000" b="1" err="1">
-                <a:ea typeface="+mj-lt"/>
-                <a:cs typeface="+mj-lt"/>
-              </a:rPr>
-              <a:t>Courbe</a:t>
-            </a:r>
-            <a:r>
-              <a:rPr lang="en-GB" sz="1000" b="1" dirty="0">
+              <a:rPr lang="en-GB" sz="800" b="1" dirty="0">
+                <a:ea typeface="+mj-lt"/>
+                <a:cs typeface="+mj-lt"/>
+              </a:rPr>
+              <a:t>Gestion de la </a:t>
+            </a:r>
+            <a:r>
+              <a:rPr lang="en-GB" sz="800" b="1" err="1">
+                <a:ea typeface="+mj-lt"/>
+                <a:cs typeface="+mj-lt"/>
+              </a:rPr>
+              <a:t>Complexité</a:t>
+            </a:r>
+            <a:r>
+              <a:rPr lang="en-GB" sz="800" b="1" dirty="0">
+                <a:ea typeface="+mj-lt"/>
+                <a:cs typeface="+mj-lt"/>
+              </a:rPr>
+              <a:t> :</a:t>
+            </a:r>
+            <a:r>
+              <a:rPr lang="en-GB" sz="800" dirty="0">
+                <a:ea typeface="+mj-lt"/>
+                <a:cs typeface="+mj-lt"/>
+              </a:rPr>
+              <a:t> La structure </a:t>
+            </a:r>
+            <a:r>
+              <a:rPr lang="en-GB" sz="800" err="1">
+                <a:ea typeface="+mj-lt"/>
+                <a:cs typeface="+mj-lt"/>
+              </a:rPr>
+              <a:t>basée</a:t>
+            </a:r>
+            <a:r>
+              <a:rPr lang="en-GB" sz="800" dirty="0">
+                <a:ea typeface="+mj-lt"/>
+                <a:cs typeface="+mj-lt"/>
+              </a:rPr>
+              <a:t> sur les </a:t>
+            </a:r>
+            <a:r>
+              <a:rPr lang="en-GB" sz="800" err="1">
+                <a:ea typeface="+mj-lt"/>
+                <a:cs typeface="+mj-lt"/>
+              </a:rPr>
+              <a:t>composants</a:t>
+            </a:r>
+            <a:r>
+              <a:rPr lang="en-GB" sz="800" dirty="0">
                 <a:ea typeface="+mj-lt"/>
                 <a:cs typeface="+mj-lt"/>
               </a:rPr>
               <a:t> </a:t>
             </a:r>
             <a:r>
-              <a:rPr lang="en-GB" sz="1000" b="1" err="1">
-                <a:ea typeface="+mj-lt"/>
-                <a:cs typeface="+mj-lt"/>
-              </a:rPr>
-              <a:t>d'Apprentissage</a:t>
-            </a:r>
-            <a:r>
-              <a:rPr lang="en-GB" sz="1000" b="1">
-                <a:ea typeface="+mj-lt"/>
-                <a:cs typeface="+mj-lt"/>
-              </a:rPr>
-              <a:t> :</a:t>
-            </a:r>
-            <a:r>
-              <a:rPr lang="en-GB" sz="1000">
-                <a:ea typeface="+mj-lt"/>
-                <a:cs typeface="+mj-lt"/>
-              </a:rPr>
-              <a:t> Certains </a:t>
-            </a:r>
-            <a:r>
-              <a:rPr lang="en-GB" sz="1000" err="1">
-                <a:ea typeface="+mj-lt"/>
-                <a:cs typeface="+mj-lt"/>
-              </a:rPr>
-              <a:t>membres</a:t>
-            </a:r>
-            <a:r>
-              <a:rPr lang="en-GB" sz="1000">
-                <a:ea typeface="+mj-lt"/>
-                <a:cs typeface="+mj-lt"/>
-              </a:rPr>
-              <a:t> de </a:t>
-            </a:r>
-            <a:r>
-              <a:rPr lang="en-GB" sz="1000" err="1">
-                <a:ea typeface="+mj-lt"/>
-                <a:cs typeface="+mj-lt"/>
-              </a:rPr>
-              <a:t>l'équipe</a:t>
-            </a:r>
-            <a:r>
-              <a:rPr lang="en-GB" sz="1000" dirty="0">
+              <a:rPr lang="en-GB" sz="800" err="1">
+                <a:ea typeface="+mj-lt"/>
+                <a:cs typeface="+mj-lt"/>
+              </a:rPr>
+              <a:t>nécessitera</a:t>
+            </a:r>
+            <a:r>
+              <a:rPr lang="en-GB" sz="800" dirty="0">
                 <a:ea typeface="+mj-lt"/>
                 <a:cs typeface="+mj-lt"/>
               </a:rPr>
               <a:t> </a:t>
             </a:r>
             <a:r>
-              <a:rPr lang="en-GB" sz="1000" err="1">
-                <a:ea typeface="+mj-lt"/>
-                <a:cs typeface="+mj-lt"/>
-              </a:rPr>
-              <a:t>devront</a:t>
-            </a:r>
-            <a:r>
-              <a:rPr lang="en-GB" sz="1000" dirty="0">
+              <a:rPr lang="en-GB" sz="800" err="1">
+                <a:ea typeface="+mj-lt"/>
+                <a:cs typeface="+mj-lt"/>
+              </a:rPr>
+              <a:t>une</a:t>
+            </a:r>
+            <a:r>
+              <a:rPr lang="en-GB" sz="800" dirty="0">
+                <a:ea typeface="+mj-lt"/>
+                <a:cs typeface="+mj-lt"/>
+              </a:rPr>
+              <a:t> gestion </a:t>
+            </a:r>
+            <a:r>
+              <a:rPr lang="en-GB" sz="800" err="1">
+                <a:ea typeface="+mj-lt"/>
+                <a:cs typeface="+mj-lt"/>
+              </a:rPr>
+              <a:t>prudente</a:t>
+            </a:r>
+            <a:r>
+              <a:rPr lang="en-GB" sz="800" dirty="0">
+                <a:ea typeface="+mj-lt"/>
+                <a:cs typeface="+mj-lt"/>
+              </a:rPr>
+              <a:t> pour </a:t>
+            </a:r>
+            <a:r>
+              <a:rPr lang="en-GB" sz="800" err="1">
+                <a:ea typeface="+mj-lt"/>
+                <a:cs typeface="+mj-lt"/>
+              </a:rPr>
+              <a:t>maintenir</a:t>
+            </a:r>
+            <a:r>
+              <a:rPr lang="en-GB" sz="800" dirty="0">
+                <a:ea typeface="+mj-lt"/>
+                <a:cs typeface="+mj-lt"/>
+              </a:rPr>
+              <a:t> la </a:t>
+            </a:r>
+            <a:r>
+              <a:rPr lang="en-GB" sz="800" err="1">
+                <a:ea typeface="+mj-lt"/>
+                <a:cs typeface="+mj-lt"/>
+              </a:rPr>
+              <a:t>cohérence</a:t>
+            </a:r>
+            <a:r>
+              <a:rPr lang="en-GB" sz="800" dirty="0">
+                <a:ea typeface="+mj-lt"/>
+                <a:cs typeface="+mj-lt"/>
+              </a:rPr>
+              <a:t> et </a:t>
+            </a:r>
+            <a:r>
+              <a:rPr lang="en-GB" sz="800" err="1">
+                <a:ea typeface="+mj-lt"/>
+                <a:cs typeface="+mj-lt"/>
+              </a:rPr>
+              <a:t>éviter</a:t>
+            </a:r>
+            <a:r>
+              <a:rPr lang="en-GB" sz="800" dirty="0">
                 <a:ea typeface="+mj-lt"/>
                 <a:cs typeface="+mj-lt"/>
               </a:rPr>
               <a:t> </a:t>
             </a:r>
             <a:r>
-              <a:rPr lang="en-GB" sz="1000" err="1">
-                <a:ea typeface="+mj-lt"/>
-                <a:cs typeface="+mj-lt"/>
-              </a:rPr>
-              <a:t>peut-être</a:t>
-            </a:r>
-            <a:r>
-              <a:rPr lang="en-GB" sz="1000" dirty="0">
+              <a:rPr lang="en-GB" sz="800" err="1">
+                <a:ea typeface="+mj-lt"/>
+                <a:cs typeface="+mj-lt"/>
+              </a:rPr>
+              <a:t>une</a:t>
+            </a:r>
+            <a:r>
+              <a:rPr lang="en-GB" sz="800" dirty="0">
                 <a:ea typeface="+mj-lt"/>
                 <a:cs typeface="+mj-lt"/>
               </a:rPr>
               <a:t> </a:t>
             </a:r>
             <a:r>
-              <a:rPr lang="en-GB" sz="1000" err="1">
-                <a:ea typeface="+mj-lt"/>
-                <a:cs typeface="+mj-lt"/>
-              </a:rPr>
-              <a:t>acquérir</a:t>
-            </a:r>
-            <a:r>
-              <a:rPr lang="en-GB" sz="1000">
-                <a:ea typeface="+mj-lt"/>
-                <a:cs typeface="+mj-lt"/>
-              </a:rPr>
-              <a:t> de </a:t>
-            </a:r>
-            <a:r>
-              <a:rPr lang="en-GB" sz="1000" err="1">
-                <a:ea typeface="+mj-lt"/>
-                <a:cs typeface="+mj-lt"/>
-              </a:rPr>
-              <a:t>nouvelles</a:t>
-            </a:r>
-            <a:r>
-              <a:rPr lang="en-GB" sz="1000" dirty="0">
+              <a:rPr lang="en-GB" sz="800" err="1">
+                <a:ea typeface="+mj-lt"/>
+                <a:cs typeface="+mj-lt"/>
+              </a:rPr>
+              <a:t>complexité</a:t>
+            </a:r>
+            <a:r>
+              <a:rPr lang="en-GB" sz="800" dirty="0">
+                <a:ea typeface="+mj-lt"/>
+                <a:cs typeface="+mj-lt"/>
+              </a:rPr>
+              <a:t> excessive.</a:t>
+            </a:r>
+          </a:p>
+          <a:p>
+            <a:pPr lvl="1">
+              <a:buFont typeface="Courier New,monospace"/>
+              <a:buChar char="o"/>
+            </a:pPr>
+            <a:r>
+              <a:rPr lang="en-GB" sz="800" b="1" err="1">
+                <a:ea typeface="+mj-lt"/>
+                <a:cs typeface="+mj-lt"/>
+              </a:rPr>
+              <a:t>Dépendance</a:t>
+            </a:r>
+            <a:r>
+              <a:rPr lang="en-GB" sz="800" b="1" dirty="0">
+                <a:ea typeface="+mj-lt"/>
+                <a:cs typeface="+mj-lt"/>
+              </a:rPr>
+              <a:t> Technologique :</a:t>
+            </a:r>
+            <a:r>
+              <a:rPr lang="en-GB" sz="800" dirty="0">
+                <a:ea typeface="+mj-lt"/>
+                <a:cs typeface="+mj-lt"/>
+              </a:rPr>
+              <a:t> Le choix de React pour le front-end </a:t>
+            </a:r>
+            <a:r>
+              <a:rPr lang="en-GB" sz="800" err="1">
+                <a:ea typeface="+mj-lt"/>
+                <a:cs typeface="+mj-lt"/>
+              </a:rPr>
+              <a:t>crée</a:t>
+            </a:r>
+            <a:r>
+              <a:rPr lang="en-GB" sz="800" dirty="0">
                 <a:ea typeface="+mj-lt"/>
                 <a:cs typeface="+mj-lt"/>
               </a:rPr>
               <a:t> </a:t>
             </a:r>
             <a:r>
-              <a:rPr lang="en-GB" sz="1000" err="1">
-                <a:ea typeface="+mj-lt"/>
-                <a:cs typeface="+mj-lt"/>
-              </a:rPr>
-              <a:t>compétences</a:t>
-            </a:r>
-            <a:r>
-              <a:rPr lang="en-GB" sz="1000">
-                <a:ea typeface="+mj-lt"/>
-                <a:cs typeface="+mj-lt"/>
-              </a:rPr>
-              <a:t> pour </a:t>
-            </a:r>
-            <a:r>
-              <a:rPr lang="en-GB" sz="1000" err="1">
-                <a:ea typeface="+mj-lt"/>
-                <a:cs typeface="+mj-lt"/>
-              </a:rPr>
-              <a:t>maîtriser</a:t>
-            </a:r>
-            <a:r>
-              <a:rPr lang="en-GB" sz="1000">
-                <a:ea typeface="+mj-lt"/>
-                <a:cs typeface="+mj-lt"/>
-              </a:rPr>
-              <a:t> React, bien que la documentation et les </a:t>
-            </a:r>
-            <a:r>
-              <a:rPr lang="en-GB" sz="1000" err="1">
-                <a:ea typeface="+mj-lt"/>
-                <a:cs typeface="+mj-lt"/>
-              </a:rPr>
-              <a:t>ressources</a:t>
-            </a:r>
-            <a:r>
-              <a:rPr lang="en-GB" sz="1000" dirty="0">
+              <a:rPr lang="en-GB" sz="800" err="1">
+                <a:ea typeface="+mj-lt"/>
+                <a:cs typeface="+mj-lt"/>
+              </a:rPr>
+              <a:t>une</a:t>
+            </a:r>
+            <a:r>
+              <a:rPr lang="en-GB" sz="800" dirty="0">
                 <a:ea typeface="+mj-lt"/>
                 <a:cs typeface="+mj-lt"/>
               </a:rPr>
               <a:t> </a:t>
             </a:r>
             <a:r>
-              <a:rPr lang="en-GB" sz="1000" err="1">
-                <a:ea typeface="+mj-lt"/>
-                <a:cs typeface="+mj-lt"/>
-              </a:rPr>
-              <a:t>disponibles</a:t>
-            </a:r>
-            <a:r>
-              <a:rPr lang="en-GB" sz="1000" dirty="0">
+              <a:rPr lang="en-GB" sz="800" err="1">
+                <a:ea typeface="+mj-lt"/>
+                <a:cs typeface="+mj-lt"/>
+              </a:rPr>
+              <a:t>dépendance</a:t>
+            </a:r>
+            <a:r>
+              <a:rPr lang="en-GB" sz="800" dirty="0">
                 <a:ea typeface="+mj-lt"/>
                 <a:cs typeface="+mj-lt"/>
               </a:rPr>
               <a:t> </a:t>
             </a:r>
             <a:r>
-              <a:rPr lang="en-GB" sz="1000" err="1">
-                <a:ea typeface="+mj-lt"/>
-                <a:cs typeface="+mj-lt"/>
-              </a:rPr>
-              <a:t>en</a:t>
-            </a:r>
-            <a:r>
-              <a:rPr lang="en-GB" sz="1000" dirty="0">
+              <a:rPr lang="en-GB" sz="800" err="1">
+                <a:ea typeface="+mj-lt"/>
+                <a:cs typeface="+mj-lt"/>
+              </a:rPr>
+              <a:t>technologique</a:t>
+            </a:r>
+            <a:r>
+              <a:rPr lang="en-GB" sz="800" dirty="0">
+                <a:ea typeface="+mj-lt"/>
+                <a:cs typeface="+mj-lt"/>
+              </a:rPr>
+              <a:t>, </a:t>
+            </a:r>
+            <a:r>
+              <a:rPr lang="en-GB" sz="800" err="1">
+                <a:ea typeface="+mj-lt"/>
+                <a:cs typeface="+mj-lt"/>
+              </a:rPr>
+              <a:t>ce</a:t>
+            </a:r>
+            <a:r>
+              <a:rPr lang="en-GB" sz="800" dirty="0">
+                <a:ea typeface="+mj-lt"/>
+                <a:cs typeface="+mj-lt"/>
+              </a:rPr>
+              <a:t> qui </a:t>
+            </a:r>
+            <a:r>
+              <a:rPr lang="en-GB" sz="800" err="1">
+                <a:ea typeface="+mj-lt"/>
+                <a:cs typeface="+mj-lt"/>
+              </a:rPr>
+              <a:t>pourrait</a:t>
+            </a:r>
+            <a:r>
+              <a:rPr lang="en-GB" sz="800" dirty="0">
+                <a:ea typeface="+mj-lt"/>
+                <a:cs typeface="+mj-lt"/>
+              </a:rPr>
+              <a:t> poser des </a:t>
+            </a:r>
+            <a:r>
+              <a:rPr lang="en-GB" sz="800" err="1">
+                <a:ea typeface="+mj-lt"/>
+                <a:cs typeface="+mj-lt"/>
+              </a:rPr>
+              <a:t>défis</a:t>
+            </a:r>
+            <a:r>
+              <a:rPr lang="en-GB" sz="800" dirty="0">
                 <a:ea typeface="+mj-lt"/>
                 <a:cs typeface="+mj-lt"/>
               </a:rPr>
               <a:t> </a:t>
             </a:r>
             <a:r>
-              <a:rPr lang="en-GB" sz="1000" err="1">
-                <a:ea typeface="+mj-lt"/>
-                <a:cs typeface="+mj-lt"/>
-              </a:rPr>
-              <a:t>ligne</a:t>
-            </a:r>
-            <a:r>
-              <a:rPr lang="en-GB" sz="1000" dirty="0">
+              <a:rPr lang="en-GB" sz="800" err="1">
+                <a:ea typeface="+mj-lt"/>
+                <a:cs typeface="+mj-lt"/>
+              </a:rPr>
+              <a:t>si</a:t>
+            </a:r>
+            <a:r>
+              <a:rPr lang="en-GB" sz="800" dirty="0">
                 <a:ea typeface="+mj-lt"/>
                 <a:cs typeface="+mj-lt"/>
               </a:rPr>
               <a:t> </a:t>
             </a:r>
             <a:r>
-              <a:rPr lang="en-GB" sz="1000" err="1">
-                <a:ea typeface="+mj-lt"/>
-                <a:cs typeface="+mj-lt"/>
-              </a:rPr>
-              <a:t>puissent</a:t>
-            </a:r>
-            <a:r>
-              <a:rPr lang="en-GB" sz="1000" dirty="0">
+              <a:rPr lang="en-GB" sz="800" err="1">
+                <a:ea typeface="+mj-lt"/>
+                <a:cs typeface="+mj-lt"/>
+              </a:rPr>
+              <a:t>une</a:t>
+            </a:r>
+            <a:r>
+              <a:rPr lang="en-GB" sz="800" dirty="0">
+                <a:ea typeface="+mj-lt"/>
+                <a:cs typeface="+mj-lt"/>
+              </a:rPr>
+              <a:t> migration </a:t>
+            </a:r>
+            <a:r>
+              <a:rPr lang="en-GB" sz="800" err="1">
+                <a:ea typeface="+mj-lt"/>
+                <a:cs typeface="+mj-lt"/>
+              </a:rPr>
+              <a:t>vers</a:t>
+            </a:r>
+            <a:r>
+              <a:rPr lang="en-GB" sz="800" dirty="0">
                 <a:ea typeface="+mj-lt"/>
                 <a:cs typeface="+mj-lt"/>
               </a:rPr>
               <a:t> </a:t>
             </a:r>
             <a:r>
-              <a:rPr lang="en-GB" sz="1000" err="1">
-                <a:ea typeface="+mj-lt"/>
-                <a:cs typeface="+mj-lt"/>
-              </a:rPr>
-              <a:t>atténuer</a:t>
-            </a:r>
-            <a:r>
-              <a:rPr lang="en-GB" sz="1000" dirty="0">
+              <a:rPr lang="en-GB" sz="800" err="1">
+                <a:ea typeface="+mj-lt"/>
+                <a:cs typeface="+mj-lt"/>
+              </a:rPr>
+              <a:t>une</a:t>
+            </a:r>
+            <a:r>
+              <a:rPr lang="en-GB" sz="800" dirty="0">
                 <a:ea typeface="+mj-lt"/>
                 <a:cs typeface="+mj-lt"/>
               </a:rPr>
               <a:t> </a:t>
             </a:r>
             <a:r>
-              <a:rPr lang="en-GB" sz="1000" err="1">
-                <a:ea typeface="+mj-lt"/>
-                <a:cs typeface="+mj-lt"/>
-              </a:rPr>
-              <a:t>cet</a:t>
-            </a:r>
-            <a:r>
-              <a:rPr lang="en-GB" sz="1000">
-                <a:ea typeface="+mj-lt"/>
-                <a:cs typeface="+mj-lt"/>
-              </a:rPr>
-              <a:t> impact.</a:t>
-            </a:r>
-            <a:endParaRPr lang="en-GB" sz="1000" dirty="0">
-              <a:ea typeface="+mj-lt"/>
-              <a:cs typeface="+mj-lt"/>
-            </a:endParaRPr>
-          </a:p>
-          <a:p>
-            <a:pPr>
-              <a:buFont typeface="Arial"/>
-              <a:buChar char="•"/>
-            </a:pPr>
-            <a:r>
-              <a:rPr lang="en-GB" sz="1000" b="1" dirty="0">
-                <a:ea typeface="+mj-lt"/>
-                <a:cs typeface="+mj-lt"/>
-              </a:rPr>
-              <a:t>Gestion de la </a:t>
-            </a:r>
-            <a:r>
-              <a:rPr lang="en-GB" sz="1000" b="1" err="1">
-                <a:ea typeface="+mj-lt"/>
-                <a:cs typeface="+mj-lt"/>
-              </a:rPr>
-              <a:t>Complexité</a:t>
-            </a:r>
-            <a:r>
-              <a:rPr lang="en-GB" sz="1000" b="1" dirty="0">
-                <a:ea typeface="+mj-lt"/>
-                <a:cs typeface="+mj-lt"/>
-              </a:rPr>
-              <a:t> :</a:t>
-            </a:r>
-            <a:r>
-              <a:rPr lang="en-GB" sz="1000" dirty="0">
-                <a:ea typeface="+mj-lt"/>
-                <a:cs typeface="+mj-lt"/>
-              </a:rPr>
-              <a:t> La structure </a:t>
-            </a:r>
-            <a:r>
-              <a:rPr lang="en-GB" sz="1000" err="1">
-                <a:ea typeface="+mj-lt"/>
-                <a:cs typeface="+mj-lt"/>
-              </a:rPr>
-              <a:t>basée</a:t>
-            </a:r>
-            <a:r>
-              <a:rPr lang="en-GB" sz="1000" dirty="0">
-                <a:ea typeface="+mj-lt"/>
-                <a:cs typeface="+mj-lt"/>
-              </a:rPr>
-              <a:t> sur les </a:t>
-            </a:r>
-            <a:r>
-              <a:rPr lang="en-GB" sz="1000" err="1">
-                <a:ea typeface="+mj-lt"/>
-                <a:cs typeface="+mj-lt"/>
-              </a:rPr>
-              <a:t>composants</a:t>
-            </a:r>
-            <a:r>
-              <a:rPr lang="en-GB" sz="1000" dirty="0">
+              <a:rPr lang="en-GB" sz="800" err="1">
+                <a:ea typeface="+mj-lt"/>
+                <a:cs typeface="+mj-lt"/>
+              </a:rPr>
+              <a:t>autre</a:t>
+            </a:r>
+            <a:r>
+              <a:rPr lang="en-GB" sz="800" dirty="0">
                 <a:ea typeface="+mj-lt"/>
                 <a:cs typeface="+mj-lt"/>
               </a:rPr>
               <a:t> </a:t>
             </a:r>
             <a:r>
-              <a:rPr lang="en-GB" sz="1000" err="1">
-                <a:ea typeface="+mj-lt"/>
-                <a:cs typeface="+mj-lt"/>
-              </a:rPr>
-              <a:t>nécessitera</a:t>
-            </a:r>
-            <a:r>
-              <a:rPr lang="en-GB" sz="1000" dirty="0">
+              <a:rPr lang="en-GB" sz="800" err="1">
+                <a:ea typeface="+mj-lt"/>
+                <a:cs typeface="+mj-lt"/>
+              </a:rPr>
+              <a:t>technologie</a:t>
+            </a:r>
+            <a:r>
+              <a:rPr lang="en-GB" sz="800" dirty="0">
                 <a:ea typeface="+mj-lt"/>
                 <a:cs typeface="+mj-lt"/>
               </a:rPr>
               <a:t> </a:t>
             </a:r>
             <a:r>
-              <a:rPr lang="en-GB" sz="1000" err="1">
-                <a:ea typeface="+mj-lt"/>
-                <a:cs typeface="+mj-lt"/>
-              </a:rPr>
-              <a:t>une</a:t>
-            </a:r>
-            <a:r>
-              <a:rPr lang="en-GB" sz="1000" dirty="0">
-                <a:ea typeface="+mj-lt"/>
-                <a:cs typeface="+mj-lt"/>
-              </a:rPr>
-              <a:t> gestion </a:t>
-            </a:r>
-            <a:r>
-              <a:rPr lang="en-GB" sz="1000" err="1">
-                <a:ea typeface="+mj-lt"/>
-                <a:cs typeface="+mj-lt"/>
-              </a:rPr>
-              <a:t>prudente</a:t>
-            </a:r>
-            <a:r>
-              <a:rPr lang="en-GB" sz="1000" dirty="0">
-                <a:ea typeface="+mj-lt"/>
-                <a:cs typeface="+mj-lt"/>
-              </a:rPr>
-              <a:t> pour </a:t>
-            </a:r>
-            <a:r>
-              <a:rPr lang="en-GB" sz="1000" err="1">
-                <a:ea typeface="+mj-lt"/>
-                <a:cs typeface="+mj-lt"/>
-              </a:rPr>
-              <a:t>maintenir</a:t>
-            </a:r>
-            <a:r>
-              <a:rPr lang="en-GB" sz="1000" dirty="0">
-                <a:ea typeface="+mj-lt"/>
-                <a:cs typeface="+mj-lt"/>
-              </a:rPr>
-              <a:t> la </a:t>
-            </a:r>
-            <a:r>
-              <a:rPr lang="en-GB" sz="1000" err="1">
-                <a:ea typeface="+mj-lt"/>
-                <a:cs typeface="+mj-lt"/>
-              </a:rPr>
-              <a:t>cohérence</a:t>
-            </a:r>
-            <a:r>
-              <a:rPr lang="en-GB" sz="1000" dirty="0">
-                <a:ea typeface="+mj-lt"/>
-                <a:cs typeface="+mj-lt"/>
-              </a:rPr>
-              <a:t> et </a:t>
-            </a:r>
-            <a:r>
-              <a:rPr lang="en-GB" sz="1000" err="1">
-                <a:ea typeface="+mj-lt"/>
-                <a:cs typeface="+mj-lt"/>
-              </a:rPr>
-              <a:t>éviter</a:t>
-            </a:r>
-            <a:r>
-              <a:rPr lang="en-GB" sz="1000" dirty="0">
+              <a:rPr lang="en-GB" sz="800" err="1">
+                <a:ea typeface="+mj-lt"/>
+                <a:cs typeface="+mj-lt"/>
+              </a:rPr>
+              <a:t>était</a:t>
+            </a:r>
+            <a:r>
+              <a:rPr lang="en-GB" sz="800" dirty="0">
                 <a:ea typeface="+mj-lt"/>
                 <a:cs typeface="+mj-lt"/>
               </a:rPr>
               <a:t> </a:t>
             </a:r>
             <a:r>
-              <a:rPr lang="en-GB" sz="1000" err="1">
-                <a:ea typeface="+mj-lt"/>
-                <a:cs typeface="+mj-lt"/>
-              </a:rPr>
-              <a:t>une</a:t>
-            </a:r>
-            <a:r>
-              <a:rPr lang="en-GB" sz="1000" dirty="0">
-                <a:ea typeface="+mj-lt"/>
-                <a:cs typeface="+mj-lt"/>
-              </a:rPr>
-              <a:t> </a:t>
-            </a:r>
-            <a:r>
-              <a:rPr lang="en-GB" sz="1000" err="1">
-                <a:ea typeface="+mj-lt"/>
-                <a:cs typeface="+mj-lt"/>
-              </a:rPr>
-              <a:t>complexité</a:t>
-            </a:r>
-            <a:r>
-              <a:rPr lang="en-GB" sz="1000" dirty="0">
-                <a:ea typeface="+mj-lt"/>
-                <a:cs typeface="+mj-lt"/>
-              </a:rPr>
-              <a:t> excessive.</a:t>
-            </a:r>
-            <a:endParaRPr lang="en-GB" sz="1000">
-              <a:ea typeface="+mj-lt"/>
-              <a:cs typeface="+mj-lt"/>
-            </a:endParaRPr>
-          </a:p>
-          <a:p>
-            <a:pPr>
-              <a:buFont typeface="Arial"/>
-              <a:buChar char="•"/>
-            </a:pPr>
-            <a:r>
-              <a:rPr lang="en-GB" sz="1000" b="1" err="1">
-                <a:ea typeface="+mj-lt"/>
-                <a:cs typeface="+mj-lt"/>
-              </a:rPr>
-              <a:t>Dépendance</a:t>
-            </a:r>
-            <a:r>
-              <a:rPr lang="en-GB" sz="1000" b="1" dirty="0">
-                <a:ea typeface="+mj-lt"/>
-                <a:cs typeface="+mj-lt"/>
-              </a:rPr>
-              <a:t> Technologique :</a:t>
-            </a:r>
-            <a:r>
-              <a:rPr lang="en-GB" sz="1000" dirty="0">
-                <a:ea typeface="+mj-lt"/>
-                <a:cs typeface="+mj-lt"/>
-              </a:rPr>
-              <a:t> Le choix de React pour le front-end </a:t>
-            </a:r>
-            <a:r>
-              <a:rPr lang="en-GB" sz="1000" err="1">
-                <a:ea typeface="+mj-lt"/>
-                <a:cs typeface="+mj-lt"/>
-              </a:rPr>
-              <a:t>crée</a:t>
-            </a:r>
-            <a:r>
-              <a:rPr lang="en-GB" sz="1000" dirty="0">
-                <a:ea typeface="+mj-lt"/>
-                <a:cs typeface="+mj-lt"/>
-              </a:rPr>
-              <a:t> </a:t>
-            </a:r>
-            <a:r>
-              <a:rPr lang="en-GB" sz="1000" err="1">
-                <a:ea typeface="+mj-lt"/>
-                <a:cs typeface="+mj-lt"/>
-              </a:rPr>
-              <a:t>une</a:t>
-            </a:r>
-            <a:r>
-              <a:rPr lang="en-GB" sz="1000" dirty="0">
-                <a:ea typeface="+mj-lt"/>
-                <a:cs typeface="+mj-lt"/>
-              </a:rPr>
-              <a:t> </a:t>
-            </a:r>
-            <a:r>
-              <a:rPr lang="en-GB" sz="1000" err="1">
-                <a:ea typeface="+mj-lt"/>
-                <a:cs typeface="+mj-lt"/>
-              </a:rPr>
-              <a:t>dépendance</a:t>
-            </a:r>
-            <a:r>
-              <a:rPr lang="en-GB" sz="1000" dirty="0">
-                <a:ea typeface="+mj-lt"/>
-                <a:cs typeface="+mj-lt"/>
-              </a:rPr>
-              <a:t> </a:t>
-            </a:r>
-            <a:r>
-              <a:rPr lang="en-GB" sz="1000" err="1">
-                <a:ea typeface="+mj-lt"/>
-                <a:cs typeface="+mj-lt"/>
-              </a:rPr>
-              <a:t>technologique</a:t>
-            </a:r>
-            <a:r>
-              <a:rPr lang="en-GB" sz="1000" dirty="0">
-                <a:ea typeface="+mj-lt"/>
-                <a:cs typeface="+mj-lt"/>
-              </a:rPr>
-              <a:t>, </a:t>
-            </a:r>
-            <a:r>
-              <a:rPr lang="en-GB" sz="1000" err="1">
-                <a:ea typeface="+mj-lt"/>
-                <a:cs typeface="+mj-lt"/>
-              </a:rPr>
-              <a:t>ce</a:t>
-            </a:r>
-            <a:r>
-              <a:rPr lang="en-GB" sz="1000" dirty="0">
-                <a:ea typeface="+mj-lt"/>
-                <a:cs typeface="+mj-lt"/>
-              </a:rPr>
-              <a:t> qui </a:t>
-            </a:r>
-            <a:r>
-              <a:rPr lang="en-GB" sz="1000" err="1">
-                <a:ea typeface="+mj-lt"/>
-                <a:cs typeface="+mj-lt"/>
-              </a:rPr>
-              <a:t>pourrait</a:t>
-            </a:r>
-            <a:r>
-              <a:rPr lang="en-GB" sz="1000" dirty="0">
-                <a:ea typeface="+mj-lt"/>
-                <a:cs typeface="+mj-lt"/>
-              </a:rPr>
-              <a:t> poser des </a:t>
-            </a:r>
-            <a:r>
-              <a:rPr lang="en-GB" sz="1000" err="1">
-                <a:ea typeface="+mj-lt"/>
-                <a:cs typeface="+mj-lt"/>
-              </a:rPr>
-              <a:t>défis</a:t>
-            </a:r>
-            <a:r>
-              <a:rPr lang="en-GB" sz="1000" dirty="0">
-                <a:ea typeface="+mj-lt"/>
-                <a:cs typeface="+mj-lt"/>
-              </a:rPr>
-              <a:t> </a:t>
-            </a:r>
-            <a:r>
-              <a:rPr lang="en-GB" sz="1000" err="1">
-                <a:ea typeface="+mj-lt"/>
-                <a:cs typeface="+mj-lt"/>
-              </a:rPr>
-              <a:t>si</a:t>
-            </a:r>
-            <a:r>
-              <a:rPr lang="en-GB" sz="1000" dirty="0">
-                <a:ea typeface="+mj-lt"/>
-                <a:cs typeface="+mj-lt"/>
-              </a:rPr>
-              <a:t> </a:t>
-            </a:r>
-            <a:r>
-              <a:rPr lang="en-GB" sz="1000" err="1">
-                <a:ea typeface="+mj-lt"/>
-                <a:cs typeface="+mj-lt"/>
-              </a:rPr>
-              <a:t>une</a:t>
-            </a:r>
-            <a:r>
-              <a:rPr lang="en-GB" sz="1000" dirty="0">
-                <a:ea typeface="+mj-lt"/>
-                <a:cs typeface="+mj-lt"/>
-              </a:rPr>
-              <a:t> migration </a:t>
-            </a:r>
-            <a:r>
-              <a:rPr lang="en-GB" sz="1000" err="1">
-                <a:ea typeface="+mj-lt"/>
-                <a:cs typeface="+mj-lt"/>
-              </a:rPr>
-              <a:t>vers</a:t>
-            </a:r>
-            <a:r>
-              <a:rPr lang="en-GB" sz="1000" dirty="0">
-                <a:ea typeface="+mj-lt"/>
-                <a:cs typeface="+mj-lt"/>
-              </a:rPr>
-              <a:t> </a:t>
-            </a:r>
-            <a:r>
-              <a:rPr lang="en-GB" sz="1000" err="1">
-                <a:ea typeface="+mj-lt"/>
-                <a:cs typeface="+mj-lt"/>
-              </a:rPr>
-              <a:t>une</a:t>
-            </a:r>
-            <a:r>
-              <a:rPr lang="en-GB" sz="1000" dirty="0">
-                <a:ea typeface="+mj-lt"/>
-                <a:cs typeface="+mj-lt"/>
-              </a:rPr>
-              <a:t> </a:t>
-            </a:r>
-            <a:r>
-              <a:rPr lang="en-GB" sz="1000" err="1">
-                <a:ea typeface="+mj-lt"/>
-                <a:cs typeface="+mj-lt"/>
-              </a:rPr>
-              <a:t>autre</a:t>
-            </a:r>
-            <a:r>
-              <a:rPr lang="en-GB" sz="1000" dirty="0">
-                <a:ea typeface="+mj-lt"/>
-                <a:cs typeface="+mj-lt"/>
-              </a:rPr>
-              <a:t> </a:t>
-            </a:r>
-            <a:r>
-              <a:rPr lang="en-GB" sz="1000" err="1">
-                <a:ea typeface="+mj-lt"/>
-                <a:cs typeface="+mj-lt"/>
-              </a:rPr>
-              <a:t>technologie</a:t>
-            </a:r>
-            <a:r>
-              <a:rPr lang="en-GB" sz="1000" dirty="0">
-                <a:ea typeface="+mj-lt"/>
-                <a:cs typeface="+mj-lt"/>
-              </a:rPr>
-              <a:t> </a:t>
-            </a:r>
-            <a:r>
-              <a:rPr lang="en-GB" sz="1000" err="1">
-                <a:ea typeface="+mj-lt"/>
-                <a:cs typeface="+mj-lt"/>
-              </a:rPr>
-              <a:t>était</a:t>
-            </a:r>
-            <a:r>
-              <a:rPr lang="en-GB" sz="1000" dirty="0">
-                <a:ea typeface="+mj-lt"/>
-                <a:cs typeface="+mj-lt"/>
-              </a:rPr>
-              <a:t> </a:t>
-            </a:r>
-            <a:r>
-              <a:rPr lang="en-GB" sz="1000" err="1">
+              <a:rPr lang="en-GB" sz="800" err="1">
                 <a:ea typeface="+mj-lt"/>
                 <a:cs typeface="+mj-lt"/>
               </a:rPr>
               <a:t>envisagée</a:t>
             </a:r>
             <a:r>
-              <a:rPr lang="en-GB" sz="1000" dirty="0">
+              <a:rPr lang="en-GB" sz="800" dirty="0">
                 <a:ea typeface="+mj-lt"/>
                 <a:cs typeface="+mj-lt"/>
               </a:rPr>
               <a:t> à </a:t>
             </a:r>
             <a:r>
-              <a:rPr lang="en-GB" sz="1000" err="1">
+              <a:rPr lang="en-GB" sz="800" err="1">
                 <a:ea typeface="+mj-lt"/>
                 <a:cs typeface="+mj-lt"/>
               </a:rPr>
               <a:t>l'avenir</a:t>
             </a:r>
             <a:r>
-              <a:rPr lang="en-GB" sz="1000" dirty="0">
+              <a:rPr lang="en-GB" sz="800" dirty="0">
                 <a:ea typeface="+mj-lt"/>
                 <a:cs typeface="+mj-lt"/>
               </a:rPr>
